--- a/assets/media/owls.pptx
+++ b/assets/media/owls.pptx
@@ -243,7 +243,7 @@
           <a:p>
             <a:fld id="{4E060E1D-A4A4-4902-AF8B-E8951BA54CFF}" type="datetimeFigureOut">
               <a:rPr lang="zh-CN" altLang="en-US" smtClean="0"/>
-              <a:t>2022/6/22</a:t>
+              <a:t>2022/6/23</a:t>
             </a:fld>
             <a:endParaRPr lang="zh-CN" altLang="en-US"/>
           </a:p>
@@ -413,7 +413,7 @@
           <a:p>
             <a:fld id="{4E060E1D-A4A4-4902-AF8B-E8951BA54CFF}" type="datetimeFigureOut">
               <a:rPr lang="zh-CN" altLang="en-US" smtClean="0"/>
-              <a:t>2022/6/22</a:t>
+              <a:t>2022/6/23</a:t>
             </a:fld>
             <a:endParaRPr lang="zh-CN" altLang="en-US"/>
           </a:p>
@@ -593,7 +593,7 @@
           <a:p>
             <a:fld id="{4E060E1D-A4A4-4902-AF8B-E8951BA54CFF}" type="datetimeFigureOut">
               <a:rPr lang="zh-CN" altLang="en-US" smtClean="0"/>
-              <a:t>2022/6/22</a:t>
+              <a:t>2022/6/23</a:t>
             </a:fld>
             <a:endParaRPr lang="zh-CN" altLang="en-US"/>
           </a:p>
@@ -763,7 +763,7 @@
           <a:p>
             <a:fld id="{4E060E1D-A4A4-4902-AF8B-E8951BA54CFF}" type="datetimeFigureOut">
               <a:rPr lang="zh-CN" altLang="en-US" smtClean="0"/>
-              <a:t>2022/6/22</a:t>
+              <a:t>2022/6/23</a:t>
             </a:fld>
             <a:endParaRPr lang="zh-CN" altLang="en-US"/>
           </a:p>
@@ -1009,7 +1009,7 @@
           <a:p>
             <a:fld id="{4E060E1D-A4A4-4902-AF8B-E8951BA54CFF}" type="datetimeFigureOut">
               <a:rPr lang="zh-CN" altLang="en-US" smtClean="0"/>
-              <a:t>2022/6/22</a:t>
+              <a:t>2022/6/23</a:t>
             </a:fld>
             <a:endParaRPr lang="zh-CN" altLang="en-US"/>
           </a:p>
@@ -1241,7 +1241,7 @@
           <a:p>
             <a:fld id="{4E060E1D-A4A4-4902-AF8B-E8951BA54CFF}" type="datetimeFigureOut">
               <a:rPr lang="zh-CN" altLang="en-US" smtClean="0"/>
-              <a:t>2022/6/22</a:t>
+              <a:t>2022/6/23</a:t>
             </a:fld>
             <a:endParaRPr lang="zh-CN" altLang="en-US"/>
           </a:p>
@@ -1608,7 +1608,7 @@
           <a:p>
             <a:fld id="{4E060E1D-A4A4-4902-AF8B-E8951BA54CFF}" type="datetimeFigureOut">
               <a:rPr lang="zh-CN" altLang="en-US" smtClean="0"/>
-              <a:t>2022/6/22</a:t>
+              <a:t>2022/6/23</a:t>
             </a:fld>
             <a:endParaRPr lang="zh-CN" altLang="en-US"/>
           </a:p>
@@ -1726,7 +1726,7 @@
           <a:p>
             <a:fld id="{4E060E1D-A4A4-4902-AF8B-E8951BA54CFF}" type="datetimeFigureOut">
               <a:rPr lang="zh-CN" altLang="en-US" smtClean="0"/>
-              <a:t>2022/6/22</a:t>
+              <a:t>2022/6/23</a:t>
             </a:fld>
             <a:endParaRPr lang="zh-CN" altLang="en-US"/>
           </a:p>
@@ -1821,7 +1821,7 @@
           <a:p>
             <a:fld id="{4E060E1D-A4A4-4902-AF8B-E8951BA54CFF}" type="datetimeFigureOut">
               <a:rPr lang="zh-CN" altLang="en-US" smtClean="0"/>
-              <a:t>2022/6/22</a:t>
+              <a:t>2022/6/23</a:t>
             </a:fld>
             <a:endParaRPr lang="zh-CN" altLang="en-US"/>
           </a:p>
@@ -2098,7 +2098,7 @@
           <a:p>
             <a:fld id="{4E060E1D-A4A4-4902-AF8B-E8951BA54CFF}" type="datetimeFigureOut">
               <a:rPr lang="zh-CN" altLang="en-US" smtClean="0"/>
-              <a:t>2022/6/22</a:t>
+              <a:t>2022/6/23</a:t>
             </a:fld>
             <a:endParaRPr lang="zh-CN" altLang="en-US"/>
           </a:p>
@@ -2355,7 +2355,7 @@
           <a:p>
             <a:fld id="{4E060E1D-A4A4-4902-AF8B-E8951BA54CFF}" type="datetimeFigureOut">
               <a:rPr lang="zh-CN" altLang="en-US" smtClean="0"/>
-              <a:t>2022/6/22</a:t>
+              <a:t>2022/6/23</a:t>
             </a:fld>
             <a:endParaRPr lang="zh-CN" altLang="en-US"/>
           </a:p>
@@ -2568,7 +2568,7 @@
           <a:p>
             <a:fld id="{4E060E1D-A4A4-4902-AF8B-E8951BA54CFF}" type="datetimeFigureOut">
               <a:rPr lang="zh-CN" altLang="en-US" smtClean="0"/>
-              <a:t>2022/6/22</a:t>
+              <a:t>2022/6/23</a:t>
             </a:fld>
             <a:endParaRPr lang="zh-CN" altLang="en-US"/>
           </a:p>
@@ -2975,10 +2975,10 @@
       </p:grpSpPr>
       <p:pic>
         <p:nvPicPr>
-          <p:cNvPr id="3" name="图片 2">
+          <p:cNvPr id="12" name="图片 11">
             <a:extLst>
               <a:ext uri="{FF2B5EF4-FFF2-40B4-BE49-F238E27FC236}">
-                <a16:creationId xmlns:a16="http://schemas.microsoft.com/office/drawing/2014/main" id="{095357F2-A27E-5891-5FE0-22EDD97E8B83}"/>
+                <a16:creationId xmlns:a16="http://schemas.microsoft.com/office/drawing/2014/main" id="{5F3B20D2-4395-E2D0-31EE-E0C71C02F0C8}"/>
               </a:ext>
             </a:extLst>
           </p:cNvPr>
@@ -2995,8 +2995,8 @@
         </p:blipFill>
         <p:spPr>
           <a:xfrm>
-            <a:off x="2203268" y="599727"/>
-            <a:ext cx="4987282" cy="2959932"/>
+            <a:off x="5160925" y="347238"/>
+            <a:ext cx="1881559" cy="2048424"/>
           </a:xfrm>
           <a:prstGeom prst="rect">
             <a:avLst/>
@@ -3099,6 +3099,115 @@
           </a:p>
         </p:txBody>
       </p:sp>
+      <p:grpSp>
+        <p:nvGrpSpPr>
+          <p:cNvPr id="2" name="组合 1">
+            <a:extLst>
+              <a:ext uri="{FF2B5EF4-FFF2-40B4-BE49-F238E27FC236}">
+                <a16:creationId xmlns:a16="http://schemas.microsoft.com/office/drawing/2014/main" id="{E28ABEEC-986D-70FF-734E-5365E75F675D}"/>
+              </a:ext>
+            </a:extLst>
+          </p:cNvPr>
+          <p:cNvGrpSpPr/>
+          <p:nvPr/>
+        </p:nvGrpSpPr>
+        <p:grpSpPr>
+          <a:xfrm>
+            <a:off x="2167550" y="673980"/>
+            <a:ext cx="2614297" cy="2959932"/>
+            <a:chOff x="2203268" y="599727"/>
+            <a:chExt cx="2614297" cy="2959932"/>
+          </a:xfrm>
+        </p:grpSpPr>
+        <p:pic>
+          <p:nvPicPr>
+            <p:cNvPr id="3" name="图片 2">
+              <a:extLst>
+                <a:ext uri="{FF2B5EF4-FFF2-40B4-BE49-F238E27FC236}">
+                  <a16:creationId xmlns:a16="http://schemas.microsoft.com/office/drawing/2014/main" id="{095357F2-A27E-5891-5FE0-22EDD97E8B83}"/>
+                </a:ext>
+              </a:extLst>
+            </p:cNvPr>
+            <p:cNvPicPr>
+              <a:picLocks noChangeAspect="1"/>
+            </p:cNvPicPr>
+            <p:nvPr/>
+          </p:nvPicPr>
+          <p:blipFill rotWithShape="1">
+            <a:blip r:embed="rId5"/>
+            <a:srcRect r="88601"/>
+            <a:stretch/>
+          </p:blipFill>
+          <p:spPr>
+            <a:xfrm>
+              <a:off x="2203268" y="599727"/>
+              <a:ext cx="568507" cy="2959932"/>
+            </a:xfrm>
+            <a:prstGeom prst="rect">
+              <a:avLst/>
+            </a:prstGeom>
+          </p:spPr>
+        </p:pic>
+        <p:pic>
+          <p:nvPicPr>
+            <p:cNvPr id="6" name="图片 5">
+              <a:extLst>
+                <a:ext uri="{FF2B5EF4-FFF2-40B4-BE49-F238E27FC236}">
+                  <a16:creationId xmlns:a16="http://schemas.microsoft.com/office/drawing/2014/main" id="{C760C4E7-1D97-A4AB-196F-7A074067254E}"/>
+                </a:ext>
+              </a:extLst>
+            </p:cNvPr>
+            <p:cNvPicPr>
+              <a:picLocks noChangeAspect="1"/>
+            </p:cNvPicPr>
+            <p:nvPr/>
+          </p:nvPicPr>
+          <p:blipFill rotWithShape="1">
+            <a:blip r:embed="rId5"/>
+            <a:srcRect l="58620"/>
+            <a:stretch/>
+          </p:blipFill>
+          <p:spPr>
+            <a:xfrm>
+              <a:off x="2753846" y="599727"/>
+              <a:ext cx="2063719" cy="2959932"/>
+            </a:xfrm>
+            <a:prstGeom prst="rect">
+              <a:avLst/>
+            </a:prstGeom>
+          </p:spPr>
+        </p:pic>
+      </p:grpSp>
+      <p:pic>
+        <p:nvPicPr>
+          <p:cNvPr id="5" name="图片 4">
+            <a:extLst>
+              <a:ext uri="{FF2B5EF4-FFF2-40B4-BE49-F238E27FC236}">
+                <a16:creationId xmlns:a16="http://schemas.microsoft.com/office/drawing/2014/main" id="{6547F698-3EE8-EE64-DD12-B7C9045AE49D}"/>
+              </a:ext>
+            </a:extLst>
+          </p:cNvPr>
+          <p:cNvPicPr>
+            <a:picLocks noChangeAspect="1"/>
+          </p:cNvPicPr>
+          <p:nvPr/>
+        </p:nvPicPr>
+        <p:blipFill>
+          <a:blip r:embed="rId6"/>
+          <a:stretch>
+            <a:fillRect/>
+          </a:stretch>
+        </p:blipFill>
+        <p:spPr>
+          <a:xfrm>
+            <a:off x="5018236" y="2395662"/>
+            <a:ext cx="2166938" cy="1238250"/>
+          </a:xfrm>
+          <a:prstGeom prst="rect">
+            <a:avLst/>
+          </a:prstGeom>
+        </p:spPr>
+      </p:pic>
     </p:spTree>
     <p:extLst>
       <p:ext uri="{BB962C8B-B14F-4D97-AF65-F5344CB8AC3E}">
